--- a/大作业 推荐系统.pptx
+++ b/大作业 推荐系统.pptx
@@ -5,17 +5,17 @@
     <p:sldMasterId id="2147483648" r:id="rId1"/>
   </p:sldMasterIdLst>
   <p:notesMasterIdLst>
-    <p:notesMasterId r:id="rId6"/>
+    <p:notesMasterId r:id="rId10"/>
   </p:notesMasterIdLst>
   <p:sldIdLst>
-    <p:sldId id="313" r:id="rId3"/>
-    <p:sldId id="314" r:id="rId4"/>
-    <p:sldId id="315" r:id="rId5"/>
-    <p:sldId id="316" r:id="rId7"/>
-    <p:sldId id="259" r:id="rId8"/>
-    <p:sldId id="308" r:id="rId9"/>
-    <p:sldId id="309" r:id="rId10"/>
-    <p:sldId id="305" r:id="rId11"/>
+    <p:sldId id="313" r:id="rId2"/>
+    <p:sldId id="314" r:id="rId3"/>
+    <p:sldId id="315" r:id="rId4"/>
+    <p:sldId id="316" r:id="rId5"/>
+    <p:sldId id="259" r:id="rId6"/>
+    <p:sldId id="308" r:id="rId7"/>
+    <p:sldId id="309" r:id="rId8"/>
+    <p:sldId id="305" r:id="rId9"/>
   </p:sldIdLst>
   <p:sldSz cx="12192000" cy="6858000"/>
   <p:notesSz cx="6858000" cy="9144000"/>
@@ -114,6 +114,37 @@
       </a:defRPr>
     </a:lvl9pPr>
   </p:defaultTextStyle>
+  <p:extLst>
+    <p:ext uri="{EFAFB233-063F-42B5-8137-9DF3F51BA10A}">
+      <p15:sldGuideLst xmlns:p15="http://schemas.microsoft.com/office/powerpoint/2012/main">
+        <p15:guide id="1" orient="horz" pos="2144">
+          <p15:clr>
+            <a:srgbClr val="A4A3A4"/>
+          </p15:clr>
+        </p15:guide>
+        <p15:guide id="2" pos="3840">
+          <p15:clr>
+            <a:srgbClr val="A4A3A4"/>
+          </p15:clr>
+        </p15:guide>
+        <p15:guide id="3" pos="1073">
+          <p15:clr>
+            <a:srgbClr val="A4A3A4"/>
+          </p15:clr>
+        </p15:guide>
+        <p15:guide id="4" pos="3024">
+          <p15:clr>
+            <a:srgbClr val="A4A3A4"/>
+          </p15:clr>
+        </p15:guide>
+        <p15:guide id="5" pos="7112">
+          <p15:clr>
+            <a:srgbClr val="A4A3A4"/>
+          </p15:clr>
+        </p15:guide>
+      </p15:sldGuideLst>
+    </p:ext>
+  </p:extLst>
 </p:presentation>
 </file>
 
@@ -199,6 +230,7 @@
           <a:p>
             <a:fld id="{B2D31608-7702-4439-9BD4-6685EBCB706D}" type="datetimeFigureOut">
               <a:rPr lang="zh-CN" altLang="en-US" smtClean="0"/>
+              <a:t>2022/1/16</a:t>
             </a:fld>
             <a:endParaRPr lang="zh-CN" altLang="en-US"/>
           </a:p>
@@ -265,7 +297,6 @@
               <a:rPr lang="zh-CN" altLang="en-US"/>
               <a:t>单击此处编辑母版文本样式</a:t>
             </a:r>
-            <a:endParaRPr lang="zh-CN" altLang="en-US"/>
           </a:p>
           <a:p>
             <a:pPr lvl="1"/>
@@ -273,7 +304,6 @@
               <a:rPr lang="zh-CN" altLang="en-US"/>
               <a:t>第二级</a:t>
             </a:r>
-            <a:endParaRPr lang="zh-CN" altLang="en-US"/>
           </a:p>
           <a:p>
             <a:pPr lvl="2"/>
@@ -281,7 +311,6 @@
               <a:rPr lang="zh-CN" altLang="en-US"/>
               <a:t>第三级</a:t>
             </a:r>
-            <a:endParaRPr lang="zh-CN" altLang="en-US"/>
           </a:p>
           <a:p>
             <a:pPr lvl="3"/>
@@ -289,7 +318,6 @@
               <a:rPr lang="zh-CN" altLang="en-US"/>
               <a:t>第四级</a:t>
             </a:r>
-            <a:endParaRPr lang="zh-CN" altLang="en-US"/>
           </a:p>
           <a:p>
             <a:pPr lvl="4"/>
@@ -297,7 +325,6 @@
               <a:rPr lang="zh-CN" altLang="en-US"/>
               <a:t>第五级</a:t>
             </a:r>
-            <a:endParaRPr lang="zh-CN" altLang="en-US"/>
           </a:p>
         </p:txBody>
       </p:sp>
@@ -361,6 +388,7 @@
           <a:p>
             <a:fld id="{DAFBDEBF-A944-4541-9D55-03F033AE54B0}" type="slidenum">
               <a:rPr lang="zh-CN" altLang="en-US" smtClean="0"/>
+              <a:t>‹#›</a:t>
             </a:fld>
             <a:endParaRPr lang="zh-CN" altLang="en-US"/>
           </a:p>
@@ -529,6 +557,7 @@
           <a:p>
             <a:fld id="{DAFBDEBF-A944-4541-9D55-03F033AE54B0}" type="slidenum">
               <a:rPr lang="zh-CN" altLang="en-US" smtClean="0"/>
+              <a:t>3</a:t>
             </a:fld>
             <a:endParaRPr lang="zh-CN" altLang="en-US"/>
           </a:p>
@@ -607,6 +636,7 @@
           <a:p>
             <a:fld id="{DAFBDEBF-A944-4541-9D55-03F033AE54B0}" type="slidenum">
               <a:rPr lang="zh-CN" altLang="en-US" smtClean="0"/>
+              <a:t>4</a:t>
             </a:fld>
             <a:endParaRPr lang="zh-CN" altLang="en-US"/>
           </a:p>
@@ -685,6 +715,7 @@
           <a:p>
             <a:fld id="{DAFBDEBF-A944-4541-9D55-03F033AE54B0}" type="slidenum">
               <a:rPr lang="zh-CN" altLang="en-US" smtClean="0"/>
+              <a:t>6</a:t>
             </a:fld>
             <a:endParaRPr lang="zh-CN" altLang="en-US"/>
           </a:p>
@@ -792,6 +823,7 @@
                 <a:ea typeface="宋体" panose="02010600030101010101" pitchFamily="2" charset="-122"/>
                 <a:cs typeface="+mn-cs"/>
               </a:rPr>
+              <a:t>8</a:t>
             </a:fld>
             <a:endParaRPr kumimoji="0" lang="zh-CN" altLang="en-US" sz="1200" b="0" i="0" u="none" strike="noStrike" kern="1200" cap="none" spc="0" normalizeH="0" baseline="0" noProof="0">
               <a:ln>
@@ -863,7 +895,6 @@
               <a:rPr lang="zh-CN" altLang="en-US"/>
               <a:t>单击此处编辑母版标题样式</a:t>
             </a:r>
-            <a:endParaRPr lang="zh-CN" altLang="en-US"/>
           </a:p>
         </p:txBody>
       </p:sp>
@@ -928,7 +959,6 @@
               <a:rPr lang="zh-CN" altLang="en-US"/>
               <a:t>单击此处编辑母版副标题样式</a:t>
             </a:r>
-            <a:endParaRPr lang="zh-CN" altLang="en-US"/>
           </a:p>
         </p:txBody>
       </p:sp>
@@ -949,6 +979,7 @@
           <a:p>
             <a:fld id="{81F7C09D-B8B9-4FBA-9025-3533BE8692E9}" type="datetimeFigureOut">
               <a:rPr lang="zh-CN" altLang="en-US" smtClean="0"/>
+              <a:t>2022/1/16</a:t>
             </a:fld>
             <a:endParaRPr lang="zh-CN" altLang="en-US"/>
           </a:p>
@@ -990,6 +1021,7 @@
           <a:p>
             <a:fld id="{BCDBDF0B-0EE8-4B86-9FA5-921B963BED65}" type="slidenum">
               <a:rPr lang="zh-CN" altLang="en-US" smtClean="0"/>
+              <a:t>‹#›</a:t>
             </a:fld>
             <a:endParaRPr lang="zh-CN" altLang="en-US"/>
           </a:p>
@@ -1039,7 +1071,6 @@
               <a:rPr lang="zh-CN" altLang="en-US"/>
               <a:t>单击此处编辑母版标题样式</a:t>
             </a:r>
-            <a:endParaRPr lang="zh-CN" altLang="en-US"/>
           </a:p>
         </p:txBody>
       </p:sp>
@@ -1063,7 +1094,6 @@
               <a:rPr lang="zh-CN" altLang="en-US"/>
               <a:t>单击此处编辑母版文本样式</a:t>
             </a:r>
-            <a:endParaRPr lang="zh-CN" altLang="en-US"/>
           </a:p>
           <a:p>
             <a:pPr lvl="1"/>
@@ -1071,7 +1101,6 @@
               <a:rPr lang="zh-CN" altLang="en-US"/>
               <a:t>第二级</a:t>
             </a:r>
-            <a:endParaRPr lang="zh-CN" altLang="en-US"/>
           </a:p>
           <a:p>
             <a:pPr lvl="2"/>
@@ -1079,7 +1108,6 @@
               <a:rPr lang="zh-CN" altLang="en-US"/>
               <a:t>第三级</a:t>
             </a:r>
-            <a:endParaRPr lang="zh-CN" altLang="en-US"/>
           </a:p>
           <a:p>
             <a:pPr lvl="3"/>
@@ -1087,7 +1115,6 @@
               <a:rPr lang="zh-CN" altLang="en-US"/>
               <a:t>第四级</a:t>
             </a:r>
-            <a:endParaRPr lang="zh-CN" altLang="en-US"/>
           </a:p>
           <a:p>
             <a:pPr lvl="4"/>
@@ -1095,7 +1122,6 @@
               <a:rPr lang="zh-CN" altLang="en-US"/>
               <a:t>第五级</a:t>
             </a:r>
-            <a:endParaRPr lang="zh-CN" altLang="en-US"/>
           </a:p>
         </p:txBody>
       </p:sp>
@@ -1116,6 +1142,7 @@
           <a:p>
             <a:fld id="{81F7C09D-B8B9-4FBA-9025-3533BE8692E9}" type="datetimeFigureOut">
               <a:rPr lang="zh-CN" altLang="en-US" smtClean="0"/>
+              <a:t>2022/1/16</a:t>
             </a:fld>
             <a:endParaRPr lang="zh-CN" altLang="en-US"/>
           </a:p>
@@ -1157,6 +1184,7 @@
           <a:p>
             <a:fld id="{BCDBDF0B-0EE8-4B86-9FA5-921B963BED65}" type="slidenum">
               <a:rPr lang="zh-CN" altLang="en-US" smtClean="0"/>
+              <a:t>‹#›</a:t>
             </a:fld>
             <a:endParaRPr lang="zh-CN" altLang="en-US"/>
           </a:p>
@@ -1211,7 +1239,6 @@
               <a:rPr lang="zh-CN" altLang="en-US"/>
               <a:t>单击此处编辑母版标题样式</a:t>
             </a:r>
-            <a:endParaRPr lang="zh-CN" altLang="en-US"/>
           </a:p>
         </p:txBody>
       </p:sp>
@@ -1240,7 +1267,6 @@
               <a:rPr lang="zh-CN" altLang="en-US"/>
               <a:t>单击此处编辑母版文本样式</a:t>
             </a:r>
-            <a:endParaRPr lang="zh-CN" altLang="en-US"/>
           </a:p>
           <a:p>
             <a:pPr lvl="1"/>
@@ -1248,7 +1274,6 @@
               <a:rPr lang="zh-CN" altLang="en-US"/>
               <a:t>第二级</a:t>
             </a:r>
-            <a:endParaRPr lang="zh-CN" altLang="en-US"/>
           </a:p>
           <a:p>
             <a:pPr lvl="2"/>
@@ -1256,7 +1281,6 @@
               <a:rPr lang="zh-CN" altLang="en-US"/>
               <a:t>第三级</a:t>
             </a:r>
-            <a:endParaRPr lang="zh-CN" altLang="en-US"/>
           </a:p>
           <a:p>
             <a:pPr lvl="3"/>
@@ -1264,7 +1288,6 @@
               <a:rPr lang="zh-CN" altLang="en-US"/>
               <a:t>第四级</a:t>
             </a:r>
-            <a:endParaRPr lang="zh-CN" altLang="en-US"/>
           </a:p>
           <a:p>
             <a:pPr lvl="4"/>
@@ -1272,7 +1295,6 @@
               <a:rPr lang="zh-CN" altLang="en-US"/>
               <a:t>第五级</a:t>
             </a:r>
-            <a:endParaRPr lang="zh-CN" altLang="en-US"/>
           </a:p>
         </p:txBody>
       </p:sp>
@@ -1293,6 +1315,7 @@
           <a:p>
             <a:fld id="{81F7C09D-B8B9-4FBA-9025-3533BE8692E9}" type="datetimeFigureOut">
               <a:rPr lang="zh-CN" altLang="en-US" smtClean="0"/>
+              <a:t>2022/1/16</a:t>
             </a:fld>
             <a:endParaRPr lang="zh-CN" altLang="en-US"/>
           </a:p>
@@ -1334,6 +1357,7 @@
           <a:p>
             <a:fld id="{BCDBDF0B-0EE8-4B86-9FA5-921B963BED65}" type="slidenum">
               <a:rPr lang="zh-CN" altLang="en-US" smtClean="0"/>
+              <a:t>‹#›</a:t>
             </a:fld>
             <a:endParaRPr lang="zh-CN" altLang="en-US"/>
           </a:p>
@@ -1480,7 +1504,6 @@
               <a:rPr lang="zh-CN" altLang="en-US"/>
               <a:t>单击此处编辑母版标题样式</a:t>
             </a:r>
-            <a:endParaRPr lang="zh-CN" altLang="en-US"/>
           </a:p>
         </p:txBody>
       </p:sp>
@@ -1504,7 +1527,6 @@
               <a:rPr lang="zh-CN" altLang="en-US"/>
               <a:t>单击此处编辑母版文本样式</a:t>
             </a:r>
-            <a:endParaRPr lang="zh-CN" altLang="en-US"/>
           </a:p>
           <a:p>
             <a:pPr lvl="1"/>
@@ -1512,7 +1534,6 @@
               <a:rPr lang="zh-CN" altLang="en-US"/>
               <a:t>第二级</a:t>
             </a:r>
-            <a:endParaRPr lang="zh-CN" altLang="en-US"/>
           </a:p>
           <a:p>
             <a:pPr lvl="2"/>
@@ -1520,7 +1541,6 @@
               <a:rPr lang="zh-CN" altLang="en-US"/>
               <a:t>第三级</a:t>
             </a:r>
-            <a:endParaRPr lang="zh-CN" altLang="en-US"/>
           </a:p>
           <a:p>
             <a:pPr lvl="3"/>
@@ -1528,7 +1548,6 @@
               <a:rPr lang="zh-CN" altLang="en-US"/>
               <a:t>第四级</a:t>
             </a:r>
-            <a:endParaRPr lang="zh-CN" altLang="en-US"/>
           </a:p>
           <a:p>
             <a:pPr lvl="4"/>
@@ -1536,7 +1555,6 @@
               <a:rPr lang="zh-CN" altLang="en-US"/>
               <a:t>第五级</a:t>
             </a:r>
-            <a:endParaRPr lang="zh-CN" altLang="en-US"/>
           </a:p>
         </p:txBody>
       </p:sp>
@@ -1557,6 +1575,7 @@
           <a:p>
             <a:fld id="{81F7C09D-B8B9-4FBA-9025-3533BE8692E9}" type="datetimeFigureOut">
               <a:rPr lang="zh-CN" altLang="en-US" smtClean="0"/>
+              <a:t>2022/1/16</a:t>
             </a:fld>
             <a:endParaRPr lang="zh-CN" altLang="en-US"/>
           </a:p>
@@ -1598,6 +1617,7 @@
           <a:p>
             <a:fld id="{BCDBDF0B-0EE8-4B86-9FA5-921B963BED65}" type="slidenum">
               <a:rPr lang="zh-CN" altLang="en-US" smtClean="0"/>
+              <a:t>‹#›</a:t>
             </a:fld>
             <a:endParaRPr lang="zh-CN" altLang="en-US"/>
           </a:p>
@@ -1656,7 +1676,6 @@
               <a:rPr lang="zh-CN" altLang="en-US"/>
               <a:t>单击此处编辑母版标题样式</a:t>
             </a:r>
-            <a:endParaRPr lang="zh-CN" altLang="en-US"/>
           </a:p>
         </p:txBody>
       </p:sp>
@@ -1776,7 +1795,6 @@
               <a:rPr lang="zh-CN" altLang="en-US"/>
               <a:t>单击此处编辑母版文本样式</a:t>
             </a:r>
-            <a:endParaRPr lang="zh-CN" altLang="en-US"/>
           </a:p>
         </p:txBody>
       </p:sp>
@@ -1797,6 +1815,7 @@
           <a:p>
             <a:fld id="{81F7C09D-B8B9-4FBA-9025-3533BE8692E9}" type="datetimeFigureOut">
               <a:rPr lang="zh-CN" altLang="en-US" smtClean="0"/>
+              <a:t>2022/1/16</a:t>
             </a:fld>
             <a:endParaRPr lang="zh-CN" altLang="en-US"/>
           </a:p>
@@ -1838,6 +1857,7 @@
           <a:p>
             <a:fld id="{BCDBDF0B-0EE8-4B86-9FA5-921B963BED65}" type="slidenum">
               <a:rPr lang="zh-CN" altLang="en-US" smtClean="0"/>
+              <a:t>‹#›</a:t>
             </a:fld>
             <a:endParaRPr lang="zh-CN" altLang="en-US"/>
           </a:p>
@@ -1887,7 +1907,6 @@
               <a:rPr lang="zh-CN" altLang="en-US"/>
               <a:t>单击此处编辑母版标题样式</a:t>
             </a:r>
-            <a:endParaRPr lang="zh-CN" altLang="en-US"/>
           </a:p>
         </p:txBody>
       </p:sp>
@@ -1916,7 +1935,6 @@
               <a:rPr lang="zh-CN" altLang="en-US"/>
               <a:t>单击此处编辑母版文本样式</a:t>
             </a:r>
-            <a:endParaRPr lang="zh-CN" altLang="en-US"/>
           </a:p>
           <a:p>
             <a:pPr lvl="1"/>
@@ -1924,7 +1942,6 @@
               <a:rPr lang="zh-CN" altLang="en-US"/>
               <a:t>第二级</a:t>
             </a:r>
-            <a:endParaRPr lang="zh-CN" altLang="en-US"/>
           </a:p>
           <a:p>
             <a:pPr lvl="2"/>
@@ -1932,7 +1949,6 @@
               <a:rPr lang="zh-CN" altLang="en-US"/>
               <a:t>第三级</a:t>
             </a:r>
-            <a:endParaRPr lang="zh-CN" altLang="en-US"/>
           </a:p>
           <a:p>
             <a:pPr lvl="3"/>
@@ -1940,7 +1956,6 @@
               <a:rPr lang="zh-CN" altLang="en-US"/>
               <a:t>第四级</a:t>
             </a:r>
-            <a:endParaRPr lang="zh-CN" altLang="en-US"/>
           </a:p>
           <a:p>
             <a:pPr lvl="4"/>
@@ -1948,7 +1963,6 @@
               <a:rPr lang="zh-CN" altLang="en-US"/>
               <a:t>第五级</a:t>
             </a:r>
-            <a:endParaRPr lang="zh-CN" altLang="en-US"/>
           </a:p>
         </p:txBody>
       </p:sp>
@@ -1977,7 +1991,6 @@
               <a:rPr lang="zh-CN" altLang="en-US"/>
               <a:t>单击此处编辑母版文本样式</a:t>
             </a:r>
-            <a:endParaRPr lang="zh-CN" altLang="en-US"/>
           </a:p>
           <a:p>
             <a:pPr lvl="1"/>
@@ -1985,7 +1998,6 @@
               <a:rPr lang="zh-CN" altLang="en-US"/>
               <a:t>第二级</a:t>
             </a:r>
-            <a:endParaRPr lang="zh-CN" altLang="en-US"/>
           </a:p>
           <a:p>
             <a:pPr lvl="2"/>
@@ -1993,7 +2005,6 @@
               <a:rPr lang="zh-CN" altLang="en-US"/>
               <a:t>第三级</a:t>
             </a:r>
-            <a:endParaRPr lang="zh-CN" altLang="en-US"/>
           </a:p>
           <a:p>
             <a:pPr lvl="3"/>
@@ -2001,7 +2012,6 @@
               <a:rPr lang="zh-CN" altLang="en-US"/>
               <a:t>第四级</a:t>
             </a:r>
-            <a:endParaRPr lang="zh-CN" altLang="en-US"/>
           </a:p>
           <a:p>
             <a:pPr lvl="4"/>
@@ -2009,7 +2019,6 @@
               <a:rPr lang="zh-CN" altLang="en-US"/>
               <a:t>第五级</a:t>
             </a:r>
-            <a:endParaRPr lang="zh-CN" altLang="en-US"/>
           </a:p>
         </p:txBody>
       </p:sp>
@@ -2030,6 +2039,7 @@
           <a:p>
             <a:fld id="{81F7C09D-B8B9-4FBA-9025-3533BE8692E9}" type="datetimeFigureOut">
               <a:rPr lang="zh-CN" altLang="en-US" smtClean="0"/>
+              <a:t>2022/1/16</a:t>
             </a:fld>
             <a:endParaRPr lang="zh-CN" altLang="en-US"/>
           </a:p>
@@ -2071,6 +2081,7 @@
           <a:p>
             <a:fld id="{BCDBDF0B-0EE8-4B86-9FA5-921B963BED65}" type="slidenum">
               <a:rPr lang="zh-CN" altLang="en-US" smtClean="0"/>
+              <a:t>‹#›</a:t>
             </a:fld>
             <a:endParaRPr lang="zh-CN" altLang="en-US"/>
           </a:p>
@@ -2125,7 +2136,6 @@
               <a:rPr lang="zh-CN" altLang="en-US"/>
               <a:t>单击此处编辑母版标题样式</a:t>
             </a:r>
-            <a:endParaRPr lang="zh-CN" altLang="en-US"/>
           </a:p>
         </p:txBody>
       </p:sp>
@@ -2191,7 +2201,6 @@
               <a:rPr lang="zh-CN" altLang="en-US"/>
               <a:t>单击此处编辑母版文本样式</a:t>
             </a:r>
-            <a:endParaRPr lang="zh-CN" altLang="en-US"/>
           </a:p>
         </p:txBody>
       </p:sp>
@@ -2220,7 +2229,6 @@
               <a:rPr lang="zh-CN" altLang="en-US"/>
               <a:t>单击此处编辑母版文本样式</a:t>
             </a:r>
-            <a:endParaRPr lang="zh-CN" altLang="en-US"/>
           </a:p>
           <a:p>
             <a:pPr lvl="1"/>
@@ -2228,7 +2236,6 @@
               <a:rPr lang="zh-CN" altLang="en-US"/>
               <a:t>第二级</a:t>
             </a:r>
-            <a:endParaRPr lang="zh-CN" altLang="en-US"/>
           </a:p>
           <a:p>
             <a:pPr lvl="2"/>
@@ -2236,7 +2243,6 @@
               <a:rPr lang="zh-CN" altLang="en-US"/>
               <a:t>第三级</a:t>
             </a:r>
-            <a:endParaRPr lang="zh-CN" altLang="en-US"/>
           </a:p>
           <a:p>
             <a:pPr lvl="3"/>
@@ -2244,7 +2250,6 @@
               <a:rPr lang="zh-CN" altLang="en-US"/>
               <a:t>第四级</a:t>
             </a:r>
-            <a:endParaRPr lang="zh-CN" altLang="en-US"/>
           </a:p>
           <a:p>
             <a:pPr lvl="4"/>
@@ -2252,7 +2257,6 @@
               <a:rPr lang="zh-CN" altLang="en-US"/>
               <a:t>第五级</a:t>
             </a:r>
-            <a:endParaRPr lang="zh-CN" altLang="en-US"/>
           </a:p>
         </p:txBody>
       </p:sp>
@@ -2318,7 +2322,6 @@
               <a:rPr lang="zh-CN" altLang="en-US"/>
               <a:t>单击此处编辑母版文本样式</a:t>
             </a:r>
-            <a:endParaRPr lang="zh-CN" altLang="en-US"/>
           </a:p>
         </p:txBody>
       </p:sp>
@@ -2347,7 +2350,6 @@
               <a:rPr lang="zh-CN" altLang="en-US"/>
               <a:t>单击此处编辑母版文本样式</a:t>
             </a:r>
-            <a:endParaRPr lang="zh-CN" altLang="en-US"/>
           </a:p>
           <a:p>
             <a:pPr lvl="1"/>
@@ -2355,7 +2357,6 @@
               <a:rPr lang="zh-CN" altLang="en-US"/>
               <a:t>第二级</a:t>
             </a:r>
-            <a:endParaRPr lang="zh-CN" altLang="en-US"/>
           </a:p>
           <a:p>
             <a:pPr lvl="2"/>
@@ -2363,7 +2364,6 @@
               <a:rPr lang="zh-CN" altLang="en-US"/>
               <a:t>第三级</a:t>
             </a:r>
-            <a:endParaRPr lang="zh-CN" altLang="en-US"/>
           </a:p>
           <a:p>
             <a:pPr lvl="3"/>
@@ -2371,7 +2371,6 @@
               <a:rPr lang="zh-CN" altLang="en-US"/>
               <a:t>第四级</a:t>
             </a:r>
-            <a:endParaRPr lang="zh-CN" altLang="en-US"/>
           </a:p>
           <a:p>
             <a:pPr lvl="4"/>
@@ -2379,7 +2378,6 @@
               <a:rPr lang="zh-CN" altLang="en-US"/>
               <a:t>第五级</a:t>
             </a:r>
-            <a:endParaRPr lang="zh-CN" altLang="en-US"/>
           </a:p>
         </p:txBody>
       </p:sp>
@@ -2400,6 +2398,7 @@
           <a:p>
             <a:fld id="{81F7C09D-B8B9-4FBA-9025-3533BE8692E9}" type="datetimeFigureOut">
               <a:rPr lang="zh-CN" altLang="en-US" smtClean="0"/>
+              <a:t>2022/1/16</a:t>
             </a:fld>
             <a:endParaRPr lang="zh-CN" altLang="en-US"/>
           </a:p>
@@ -2441,6 +2440,7 @@
           <a:p>
             <a:fld id="{BCDBDF0B-0EE8-4B86-9FA5-921B963BED65}" type="slidenum">
               <a:rPr lang="zh-CN" altLang="en-US" smtClean="0"/>
+              <a:t>‹#›</a:t>
             </a:fld>
             <a:endParaRPr lang="zh-CN" altLang="en-US"/>
           </a:p>
@@ -2490,7 +2490,6 @@
               <a:rPr lang="zh-CN" altLang="en-US"/>
               <a:t>单击此处编辑母版标题样式</a:t>
             </a:r>
-            <a:endParaRPr lang="zh-CN" altLang="en-US"/>
           </a:p>
         </p:txBody>
       </p:sp>
@@ -2511,6 +2510,7 @@
           <a:p>
             <a:fld id="{81F7C09D-B8B9-4FBA-9025-3533BE8692E9}" type="datetimeFigureOut">
               <a:rPr lang="zh-CN" altLang="en-US" smtClean="0"/>
+              <a:t>2022/1/16</a:t>
             </a:fld>
             <a:endParaRPr lang="zh-CN" altLang="en-US"/>
           </a:p>
@@ -2552,6 +2552,7 @@
           <a:p>
             <a:fld id="{BCDBDF0B-0EE8-4B86-9FA5-921B963BED65}" type="slidenum">
               <a:rPr lang="zh-CN" altLang="en-US" smtClean="0"/>
+              <a:t>‹#›</a:t>
             </a:fld>
             <a:endParaRPr lang="zh-CN" altLang="en-US"/>
           </a:p>
@@ -2599,6 +2600,7 @@
           <a:p>
             <a:fld id="{81F7C09D-B8B9-4FBA-9025-3533BE8692E9}" type="datetimeFigureOut">
               <a:rPr lang="zh-CN" altLang="en-US" smtClean="0"/>
+              <a:t>2022/1/16</a:t>
             </a:fld>
             <a:endParaRPr lang="zh-CN" altLang="en-US"/>
           </a:p>
@@ -2640,6 +2642,7 @@
           <a:p>
             <a:fld id="{BCDBDF0B-0EE8-4B86-9FA5-921B963BED65}" type="slidenum">
               <a:rPr lang="zh-CN" altLang="en-US" smtClean="0"/>
+              <a:t>‹#›</a:t>
             </a:fld>
             <a:endParaRPr lang="zh-CN" altLang="en-US"/>
           </a:p>
@@ -2698,7 +2701,6 @@
               <a:rPr lang="zh-CN" altLang="en-US"/>
               <a:t>单击此处编辑母版标题样式</a:t>
             </a:r>
-            <a:endParaRPr lang="zh-CN" altLang="en-US"/>
           </a:p>
         </p:txBody>
       </p:sp>
@@ -2755,7 +2757,6 @@
               <a:rPr lang="zh-CN" altLang="en-US"/>
               <a:t>单击此处编辑母版文本样式</a:t>
             </a:r>
-            <a:endParaRPr lang="zh-CN" altLang="en-US"/>
           </a:p>
           <a:p>
             <a:pPr lvl="1"/>
@@ -2763,7 +2764,6 @@
               <a:rPr lang="zh-CN" altLang="en-US"/>
               <a:t>第二级</a:t>
             </a:r>
-            <a:endParaRPr lang="zh-CN" altLang="en-US"/>
           </a:p>
           <a:p>
             <a:pPr lvl="2"/>
@@ -2771,7 +2771,6 @@
               <a:rPr lang="zh-CN" altLang="en-US"/>
               <a:t>第三级</a:t>
             </a:r>
-            <a:endParaRPr lang="zh-CN" altLang="en-US"/>
           </a:p>
           <a:p>
             <a:pPr lvl="3"/>
@@ -2779,7 +2778,6 @@
               <a:rPr lang="zh-CN" altLang="en-US"/>
               <a:t>第四级</a:t>
             </a:r>
-            <a:endParaRPr lang="zh-CN" altLang="en-US"/>
           </a:p>
           <a:p>
             <a:pPr lvl="4"/>
@@ -2787,7 +2785,6 @@
               <a:rPr lang="zh-CN" altLang="en-US"/>
               <a:t>第五级</a:t>
             </a:r>
-            <a:endParaRPr lang="zh-CN" altLang="en-US"/>
           </a:p>
         </p:txBody>
       </p:sp>
@@ -2853,7 +2850,6 @@
               <a:rPr lang="zh-CN" altLang="en-US"/>
               <a:t>单击此处编辑母版文本样式</a:t>
             </a:r>
-            <a:endParaRPr lang="zh-CN" altLang="en-US"/>
           </a:p>
         </p:txBody>
       </p:sp>
@@ -2874,6 +2870,7 @@
           <a:p>
             <a:fld id="{81F7C09D-B8B9-4FBA-9025-3533BE8692E9}" type="datetimeFigureOut">
               <a:rPr lang="zh-CN" altLang="en-US" smtClean="0"/>
+              <a:t>2022/1/16</a:t>
             </a:fld>
             <a:endParaRPr lang="zh-CN" altLang="en-US"/>
           </a:p>
@@ -2915,6 +2912,7 @@
           <a:p>
             <a:fld id="{BCDBDF0B-0EE8-4B86-9FA5-921B963BED65}" type="slidenum">
               <a:rPr lang="zh-CN" altLang="en-US" smtClean="0"/>
+              <a:t>‹#›</a:t>
             </a:fld>
             <a:endParaRPr lang="zh-CN" altLang="en-US"/>
           </a:p>
@@ -2973,7 +2971,6 @@
               <a:rPr lang="zh-CN" altLang="en-US"/>
               <a:t>单击此处编辑母版标题样式</a:t>
             </a:r>
-            <a:endParaRPr lang="zh-CN" altLang="en-US"/>
           </a:p>
         </p:txBody>
       </p:sp>
@@ -3100,7 +3097,6 @@
               <a:rPr lang="zh-CN" altLang="en-US"/>
               <a:t>单击此处编辑母版文本样式</a:t>
             </a:r>
-            <a:endParaRPr lang="zh-CN" altLang="en-US"/>
           </a:p>
         </p:txBody>
       </p:sp>
@@ -3121,6 +3117,7 @@
           <a:p>
             <a:fld id="{81F7C09D-B8B9-4FBA-9025-3533BE8692E9}" type="datetimeFigureOut">
               <a:rPr lang="zh-CN" altLang="en-US" smtClean="0"/>
+              <a:t>2022/1/16</a:t>
             </a:fld>
             <a:endParaRPr lang="zh-CN" altLang="en-US"/>
           </a:p>
@@ -3162,6 +3159,7 @@
           <a:p>
             <a:fld id="{BCDBDF0B-0EE8-4B86-9FA5-921B963BED65}" type="slidenum">
               <a:rPr lang="zh-CN" altLang="en-US" smtClean="0"/>
+              <a:t>‹#›</a:t>
             </a:fld>
             <a:endParaRPr lang="zh-CN" altLang="en-US"/>
           </a:p>
@@ -3226,7 +3224,6 @@
               <a:rPr lang="zh-CN" altLang="en-US"/>
               <a:t>单击此处编辑母版标题样式</a:t>
             </a:r>
-            <a:endParaRPr lang="zh-CN" altLang="en-US"/>
           </a:p>
         </p:txBody>
       </p:sp>
@@ -3260,7 +3257,6 @@
               <a:rPr lang="zh-CN" altLang="en-US"/>
               <a:t>单击此处编辑母版文本样式</a:t>
             </a:r>
-            <a:endParaRPr lang="zh-CN" altLang="en-US"/>
           </a:p>
           <a:p>
             <a:pPr lvl="1"/>
@@ -3268,7 +3264,6 @@
               <a:rPr lang="zh-CN" altLang="en-US"/>
               <a:t>第二级</a:t>
             </a:r>
-            <a:endParaRPr lang="zh-CN" altLang="en-US"/>
           </a:p>
           <a:p>
             <a:pPr lvl="2"/>
@@ -3276,7 +3271,6 @@
               <a:rPr lang="zh-CN" altLang="en-US"/>
               <a:t>第三级</a:t>
             </a:r>
-            <a:endParaRPr lang="zh-CN" altLang="en-US"/>
           </a:p>
           <a:p>
             <a:pPr lvl="3"/>
@@ -3284,7 +3278,6 @@
               <a:rPr lang="zh-CN" altLang="en-US"/>
               <a:t>第四级</a:t>
             </a:r>
-            <a:endParaRPr lang="zh-CN" altLang="en-US"/>
           </a:p>
           <a:p>
             <a:pPr lvl="4"/>
@@ -3292,7 +3285,6 @@
               <a:rPr lang="zh-CN" altLang="en-US"/>
               <a:t>第五级</a:t>
             </a:r>
-            <a:endParaRPr lang="zh-CN" altLang="en-US"/>
           </a:p>
         </p:txBody>
       </p:sp>
@@ -3331,6 +3323,7 @@
           <a:p>
             <a:fld id="{81F7C09D-B8B9-4FBA-9025-3533BE8692E9}" type="datetimeFigureOut">
               <a:rPr lang="zh-CN" altLang="en-US" smtClean="0"/>
+              <a:t>2022/1/16</a:t>
             </a:fld>
             <a:endParaRPr lang="zh-CN" altLang="en-US"/>
           </a:p>
@@ -3408,6 +3401,7 @@
           <a:p>
             <a:fld id="{BCDBDF0B-0EE8-4B86-9FA5-921B963BED65}" type="slidenum">
               <a:rPr lang="zh-CN" altLang="en-US" smtClean="0"/>
+              <a:t>‹#›</a:t>
             </a:fld>
             <a:endParaRPr lang="zh-CN" altLang="en-US"/>
           </a:p>
@@ -4012,17 +4006,6 @@
               </a:rPr>
               <a:t>www.1ppt.com/hangye/ </a:t>
             </a:r>
-            <a:endParaRPr kumimoji="0" lang="en-US" altLang="zh-CN" sz="100" b="0" i="0" u="none" strike="noStrike" kern="0" cap="none" spc="0" normalizeH="0" baseline="0" noProof="0" dirty="0">
-              <a:ln>
-                <a:noFill/>
-              </a:ln>
-              <a:solidFill>
-                <a:prstClr val="white"/>
-              </a:solidFill>
-              <a:effectLst/>
-              <a:uLnTx/>
-              <a:uFillTx/>
-            </a:endParaRPr>
           </a:p>
           <a:p>
             <a:pPr marL="0" marR="0" lvl="0" indent="0" defTabSz="914400" eaLnBrk="1" fontAlgn="auto" latinLnBrk="0" hangingPunct="1">
@@ -4125,17 +4108,6 @@
               </a:rPr>
               <a:t>www.1ppt.com/sucai/</a:t>
             </a:r>
-            <a:endParaRPr kumimoji="0" lang="en-US" altLang="zh-CN" sz="100" b="0" i="0" u="none" strike="noStrike" kern="0" cap="none" spc="0" normalizeH="0" baseline="0" noProof="0" dirty="0">
-              <a:ln>
-                <a:noFill/>
-              </a:ln>
-              <a:solidFill>
-                <a:prstClr val="white"/>
-              </a:solidFill>
-              <a:effectLst/>
-              <a:uLnTx/>
-              <a:uFillTx/>
-            </a:endParaRPr>
           </a:p>
           <a:p>
             <a:pPr marL="0" marR="0" lvl="0" indent="0" defTabSz="914400" eaLnBrk="1" fontAlgn="auto" latinLnBrk="0" hangingPunct="1">
@@ -4224,17 +4196,6 @@
               </a:rPr>
               <a:t>www.1ppt.com/tubiao/      </a:t>
             </a:r>
-            <a:endParaRPr kumimoji="0" lang="en-US" altLang="zh-CN" sz="100" b="0" i="0" u="none" strike="noStrike" kern="0" cap="none" spc="0" normalizeH="0" baseline="0" noProof="0" dirty="0">
-              <a:ln>
-                <a:noFill/>
-              </a:ln>
-              <a:solidFill>
-                <a:prstClr val="white"/>
-              </a:solidFill>
-              <a:effectLst/>
-              <a:uLnTx/>
-              <a:uFillTx/>
-            </a:endParaRPr>
           </a:p>
           <a:p>
             <a:pPr marL="0" marR="0" lvl="0" indent="0" defTabSz="914400" eaLnBrk="1" fontAlgn="auto" latinLnBrk="0" hangingPunct="1">
@@ -4337,17 +4298,6 @@
               </a:rPr>
               <a:t>www.1ppt.com/powerpoint/      </a:t>
             </a:r>
-            <a:endParaRPr kumimoji="0" lang="en-US" altLang="zh-CN" sz="100" b="0" i="0" u="none" strike="noStrike" kern="0" cap="none" spc="0" normalizeH="0" baseline="0" noProof="0" dirty="0">
-              <a:ln>
-                <a:noFill/>
-              </a:ln>
-              <a:solidFill>
-                <a:prstClr val="white"/>
-              </a:solidFill>
-              <a:effectLst/>
-              <a:uLnTx/>
-              <a:uFillTx/>
-            </a:endParaRPr>
           </a:p>
           <a:p>
             <a:pPr marL="0" marR="0" lvl="0" indent="0" defTabSz="914400" eaLnBrk="1" fontAlgn="auto" latinLnBrk="0" hangingPunct="1">
@@ -4436,17 +4386,6 @@
               </a:rPr>
               <a:t>www.1ppt.com/excel/  </a:t>
             </a:r>
-            <a:endParaRPr kumimoji="0" lang="en-US" altLang="zh-CN" sz="100" b="0" i="0" u="none" strike="noStrike" kern="0" cap="none" spc="0" normalizeH="0" baseline="0" noProof="0" dirty="0">
-              <a:ln>
-                <a:noFill/>
-              </a:ln>
-              <a:solidFill>
-                <a:prstClr val="white"/>
-              </a:solidFill>
-              <a:effectLst/>
-              <a:uLnTx/>
-              <a:uFillTx/>
-            </a:endParaRPr>
           </a:p>
           <a:p>
             <a:pPr marL="0" marR="0" lvl="0" indent="0" defTabSz="914400" eaLnBrk="1" fontAlgn="auto" latinLnBrk="0" hangingPunct="1">
@@ -4521,17 +4460,6 @@
               </a:rPr>
               <a:t>www.1ppt.com/kejian/ </a:t>
             </a:r>
-            <a:endParaRPr kumimoji="0" lang="en-US" altLang="zh-CN" sz="100" b="0" i="0" u="none" strike="noStrike" kern="0" cap="none" spc="0" normalizeH="0" baseline="0" noProof="0" dirty="0">
-              <a:ln>
-                <a:noFill/>
-              </a:ln>
-              <a:solidFill>
-                <a:prstClr val="white"/>
-              </a:solidFill>
-              <a:effectLst/>
-              <a:uLnTx/>
-              <a:uFillTx/>
-            </a:endParaRPr>
           </a:p>
           <a:p>
             <a:pPr marL="0" marR="0" lvl="0" indent="0" defTabSz="914400" eaLnBrk="1" fontAlgn="auto" latinLnBrk="0" hangingPunct="1">
@@ -4606,17 +4534,6 @@
               </a:rPr>
               <a:t>www.1ppt.com/shiti/  </a:t>
             </a:r>
-            <a:endParaRPr kumimoji="0" lang="en-US" altLang="zh-CN" sz="100" b="0" i="0" u="none" strike="noStrike" kern="0" cap="none" spc="0" normalizeH="0" baseline="0" noProof="0" dirty="0">
-              <a:ln>
-                <a:noFill/>
-              </a:ln>
-              <a:solidFill>
-                <a:prstClr val="white"/>
-              </a:solidFill>
-              <a:effectLst/>
-              <a:uLnTx/>
-              <a:uFillTx/>
-            </a:endParaRPr>
           </a:p>
           <a:p>
             <a:pPr marL="0" marR="0" lvl="0" indent="0" defTabSz="914400" eaLnBrk="1" fontAlgn="auto" latinLnBrk="0" hangingPunct="1">
@@ -4663,17 +4580,6 @@
               </a:rPr>
               <a:t>www.1ppt.com/jiaoan/        </a:t>
             </a:r>
-            <a:endParaRPr kumimoji="0" lang="en-US" altLang="zh-CN" sz="100" b="0" i="0" u="none" strike="noStrike" kern="0" cap="none" spc="0" normalizeH="0" baseline="0" noProof="0" dirty="0">
-              <a:ln>
-                <a:noFill/>
-              </a:ln>
-              <a:solidFill>
-                <a:prstClr val="white"/>
-              </a:solidFill>
-              <a:effectLst/>
-              <a:uLnTx/>
-              <a:uFillTx/>
-            </a:endParaRPr>
           </a:p>
           <a:p>
             <a:pPr marL="0" marR="0" lvl="0" indent="0" defTabSz="914400" eaLnBrk="1" fontAlgn="auto" latinLnBrk="0" hangingPunct="1">
@@ -4720,17 +4626,6 @@
               </a:rPr>
               <a:t>www.1ppt.com/ziti/</a:t>
             </a:r>
-            <a:endParaRPr kumimoji="0" lang="en-US" altLang="zh-CN" sz="100" b="0" i="0" u="none" strike="noStrike" kern="0" cap="none" spc="0" normalizeH="0" baseline="0" noProof="0" dirty="0">
-              <a:ln>
-                <a:noFill/>
-              </a:ln>
-              <a:solidFill>
-                <a:prstClr val="white"/>
-              </a:solidFill>
-              <a:effectLst/>
-              <a:uLnTx/>
-              <a:uFillTx/>
-            </a:endParaRPr>
           </a:p>
           <a:p>
             <a:pPr marL="0" marR="0" lvl="0" indent="0" defTabSz="914400" eaLnBrk="1" fontAlgn="auto" latinLnBrk="0" hangingPunct="1">
@@ -4936,7 +4831,7 @@
           <p:nvPr/>
         </p:nvPicPr>
         <p:blipFill>
-          <a:blip r:embed="rId1"/>
+          <a:blip r:embed="rId2"/>
           <a:stretch>
             <a:fillRect/>
           </a:stretch>
@@ -5177,13 +5072,13 @@
   <p:clrMapOvr>
     <a:masterClrMapping/>
   </p:clrMapOvr>
-  <mc:AlternateContent xmlns:mc="http://schemas.openxmlformats.org/markup-compatibility/2006">
-    <mc:Choice xmlns:p14="http://schemas.microsoft.com/office/powerpoint/2010/main" Requires="p14">
+  <mc:AlternateContent xmlns:mc="http://schemas.openxmlformats.org/markup-compatibility/2006" xmlns:p14="http://schemas.microsoft.com/office/powerpoint/2010/main">
+    <mc:Choice Requires="p14">
       <p:transition spd="slow" p14:dur="1200" advClick="0" advTm="4000">
         <p:dissolve/>
       </p:transition>
     </mc:Choice>
-    <mc:Fallback>
+    <mc:Fallback xmlns="">
       <p:transition spd="slow" advClick="0" advTm="4000">
         <p:dissolve/>
       </p:transition>
@@ -5391,7 +5286,7 @@
             <p:nvPr/>
           </p:nvPicPr>
           <p:blipFill>
-            <a:blip r:embed="rId1" cstate="print">
+            <a:blip r:embed="rId2" cstate="print">
               <a:biLevel thresh="75000"/>
               <a:extLst>
                 <a:ext uri="{28A0092B-C50C-407E-A947-70E740481C1C}">
@@ -5422,7 +5317,7 @@
             <p:nvPr/>
           </p:nvPicPr>
           <p:blipFill>
-            <a:blip r:embed="rId2" cstate="print">
+            <a:blip r:embed="rId3" cstate="print">
               <a:extLst>
                 <a:ext uri="{28A0092B-C50C-407E-A947-70E740481C1C}">
                   <a14:useLocalDpi xmlns:a14="http://schemas.microsoft.com/office/drawing/2010/main" val="0"/>
@@ -5453,7 +5348,7 @@
           <p:nvPr/>
         </p:nvPicPr>
         <p:blipFill rotWithShape="1">
-          <a:blip r:embed="rId3" cstate="print">
+          <a:blip r:embed="rId4" cstate="print">
             <a:clrChange>
               <a:clrFrom>
                 <a:srgbClr val="FFFFFF"/>
@@ -5519,7 +5414,6 @@
               <a:rPr lang="zh-CN" altLang="en-US" sz="4000" b="1" dirty="0"/>
               <a:t>基于用户的协同过滤</a:t>
             </a:r>
-            <a:endParaRPr lang="zh-CN" altLang="en-US" sz="4000" b="1" dirty="0"/>
           </a:p>
         </p:txBody>
       </p:sp>
@@ -5559,7 +5453,6 @@
               <a:rPr lang="zh-CN" altLang="en-US" sz="2400" dirty="0"/>
               <a:t>实验内容</a:t>
             </a:r>
-            <a:endParaRPr lang="zh-CN" altLang="en-US" sz="2400" dirty="0"/>
           </a:p>
           <a:p>
             <a:pPr marL="0" indent="0">
@@ -5613,7 +5506,6 @@
               <a:rPr lang="zh-CN" altLang="en-US" sz="2400" dirty="0"/>
               <a:t>实验要求</a:t>
             </a:r>
-            <a:endParaRPr lang="zh-CN" altLang="en-US" sz="2400" dirty="0"/>
           </a:p>
           <a:p>
             <a:pPr indent="304800" algn="just">
@@ -5709,11 +5601,6 @@
               </a:rPr>
               <a:t>个电影进行推荐。</a:t>
             </a:r>
-            <a:endParaRPr lang="zh-CN" altLang="zh-CN" sz="2000" dirty="0">
-              <a:effectLst/>
-              <a:latin typeface="Times New Roman" panose="02020603050405020304" pitchFamily="18" charset="0"/>
-              <a:ea typeface="宋体" panose="02010600030101010101" pitchFamily="2" charset="-122"/>
-            </a:endParaRPr>
           </a:p>
           <a:p>
             <a:pPr indent="304800" algn="just">
@@ -5793,11 +5680,6 @@
               </a:rPr>
               <a:t>误差平方和。</a:t>
             </a:r>
-            <a:endParaRPr lang="zh-CN" altLang="zh-CN" sz="2000" dirty="0">
-              <a:effectLst/>
-              <a:latin typeface="Times New Roman" panose="02020603050405020304" pitchFamily="18" charset="0"/>
-              <a:ea typeface="宋体" panose="02010600030101010101" pitchFamily="2" charset="-122"/>
-            </a:endParaRPr>
           </a:p>
           <a:p>
             <a:pPr marL="0" indent="0">
@@ -5815,13 +5697,13 @@
   <p:clrMapOvr>
     <a:masterClrMapping/>
   </p:clrMapOvr>
-  <mc:AlternateContent xmlns:mc="http://schemas.openxmlformats.org/markup-compatibility/2006">
-    <mc:Choice xmlns:p14="http://schemas.microsoft.com/office/powerpoint/2010/main" Requires="p14">
+  <mc:AlternateContent xmlns:mc="http://schemas.openxmlformats.org/markup-compatibility/2006" xmlns:p14="http://schemas.microsoft.com/office/powerpoint/2010/main">
+    <mc:Choice Requires="p14">
       <p:transition spd="slow" p14:dur="1200" advClick="0" advTm="3000">
         <p14:prism dir="u"/>
       </p:transition>
     </mc:Choice>
-    <mc:Fallback>
+    <mc:Fallback xmlns="">
       <p:transition spd="slow" advClick="0" advTm="3000">
         <p:fade/>
       </p:transition>
@@ -5993,16 +5875,6 @@
               </a:rPr>
               <a:t>模型参考</a:t>
             </a:r>
-            <a:endParaRPr lang="zh-CN" altLang="en-US" sz="3200" dirty="0">
-              <a:solidFill>
-                <a:schemeClr val="tx1">
-                  <a:lumMod val="65000"/>
-                  <a:lumOff val="35000"/>
-                </a:schemeClr>
-              </a:solidFill>
-              <a:latin typeface="微软雅黑" panose="020B0503020204020204" pitchFamily="34" charset="-122"/>
-              <a:ea typeface="微软雅黑" panose="020B0503020204020204" pitchFamily="34" charset="-122"/>
-            </a:endParaRPr>
           </a:p>
         </p:txBody>
       </p:sp>
@@ -6029,7 +5901,7 @@
             <p:nvPr/>
           </p:nvPicPr>
           <p:blipFill>
-            <a:blip r:embed="rId1" cstate="print">
+            <a:blip r:embed="rId3" cstate="print">
               <a:biLevel thresh="75000"/>
               <a:extLst>
                 <a:ext uri="{28A0092B-C50C-407E-A947-70E740481C1C}">
@@ -6060,7 +5932,7 @@
             <p:nvPr/>
           </p:nvPicPr>
           <p:blipFill>
-            <a:blip r:embed="rId2" cstate="print">
+            <a:blip r:embed="rId4" cstate="print">
               <a:extLst>
                 <a:ext uri="{28A0092B-C50C-407E-A947-70E740481C1C}">
                   <a14:useLocalDpi xmlns:a14="http://schemas.microsoft.com/office/drawing/2010/main" val="0"/>
@@ -6091,7 +5963,7 @@
           <p:nvPr/>
         </p:nvPicPr>
         <p:blipFill rotWithShape="1">
-          <a:blip r:embed="rId3" cstate="print">
+          <a:blip r:embed="rId5" cstate="print">
             <a:clrChange>
               <a:clrFrom>
                 <a:srgbClr val="FFFFFF"/>
@@ -6271,7 +6143,6 @@
               <a:rPr lang="zh-CN" altLang="en-US" sz="2400" dirty="0"/>
               <a:t>对推荐对象计算预测值</a:t>
             </a:r>
-            <a:endParaRPr lang="zh-CN" altLang="en-US" sz="2400" dirty="0"/>
           </a:p>
         </p:txBody>
       </p:sp>
@@ -6416,7 +6287,6 @@
               <a:rPr lang="zh-CN" altLang="en-US" sz="2400" dirty="0"/>
               <a:t>？）</a:t>
             </a:r>
-            <a:endParaRPr lang="zh-CN" altLang="en-US" sz="2400" dirty="0"/>
           </a:p>
         </p:txBody>
       </p:sp>
@@ -6425,13 +6295,13 @@
   <p:clrMapOvr>
     <a:masterClrMapping/>
   </p:clrMapOvr>
-  <mc:AlternateContent xmlns:mc="http://schemas.openxmlformats.org/markup-compatibility/2006">
-    <mc:Choice xmlns:p14="http://schemas.microsoft.com/office/powerpoint/2010/main" Requires="p14">
+  <mc:AlternateContent xmlns:mc="http://schemas.openxmlformats.org/markup-compatibility/2006" xmlns:p14="http://schemas.microsoft.com/office/powerpoint/2010/main">
+    <mc:Choice Requires="p14">
       <p:transition spd="slow" p14:dur="1300" advClick="0" advTm="9000">
         <p14:pan/>
       </p:transition>
     </mc:Choice>
-    <mc:Fallback>
+    <mc:Fallback xmlns="">
       <p:transition spd="slow" advClick="0" advTm="9000">
         <p:fade/>
       </p:transition>
@@ -6603,16 +6473,6 @@
               </a:rPr>
               <a:t>模型参考</a:t>
             </a:r>
-            <a:endParaRPr lang="zh-CN" altLang="en-US" sz="3200" dirty="0">
-              <a:solidFill>
-                <a:schemeClr val="tx1">
-                  <a:lumMod val="65000"/>
-                  <a:lumOff val="35000"/>
-                </a:schemeClr>
-              </a:solidFill>
-              <a:latin typeface="微软雅黑" panose="020B0503020204020204" pitchFamily="34" charset="-122"/>
-              <a:ea typeface="微软雅黑" panose="020B0503020204020204" pitchFamily="34" charset="-122"/>
-            </a:endParaRPr>
           </a:p>
         </p:txBody>
       </p:sp>
@@ -6639,7 +6499,7 @@
             <p:nvPr/>
           </p:nvPicPr>
           <p:blipFill>
-            <a:blip r:embed="rId1" cstate="print">
+            <a:blip r:embed="rId3" cstate="print">
               <a:biLevel thresh="75000"/>
               <a:extLst>
                 <a:ext uri="{28A0092B-C50C-407E-A947-70E740481C1C}">
@@ -6670,7 +6530,7 @@
             <p:nvPr/>
           </p:nvPicPr>
           <p:blipFill>
-            <a:blip r:embed="rId2" cstate="print">
+            <a:blip r:embed="rId4" cstate="print">
               <a:extLst>
                 <a:ext uri="{28A0092B-C50C-407E-A947-70E740481C1C}">
                   <a14:useLocalDpi xmlns:a14="http://schemas.microsoft.com/office/drawing/2010/main" val="0"/>
@@ -6701,7 +6561,7 @@
           <p:nvPr/>
         </p:nvPicPr>
         <p:blipFill rotWithShape="1">
-          <a:blip r:embed="rId3" cstate="print">
+          <a:blip r:embed="rId5" cstate="print">
             <a:clrChange>
               <a:clrFrom>
                 <a:srgbClr val="FFFFFF"/>
@@ -6860,7 +6720,7 @@
           <p:nvPr/>
         </p:nvPicPr>
         <p:blipFill>
-          <a:blip r:embed="rId4">
+          <a:blip r:embed="rId6">
             <a:extLst>
               <a:ext uri="{28A0092B-C50C-407E-A947-70E740481C1C}">
                 <a14:useLocalDpi xmlns:a14="http://schemas.microsoft.com/office/drawing/2010/main" val="0"/>
@@ -6886,13 +6746,13 @@
   <p:clrMapOvr>
     <a:masterClrMapping/>
   </p:clrMapOvr>
-  <mc:AlternateContent xmlns:mc="http://schemas.openxmlformats.org/markup-compatibility/2006">
-    <mc:Choice xmlns:p14="http://schemas.microsoft.com/office/powerpoint/2010/main" Requires="p14">
+  <mc:AlternateContent xmlns:mc="http://schemas.openxmlformats.org/markup-compatibility/2006" xmlns:p14="http://schemas.microsoft.com/office/powerpoint/2010/main">
+    <mc:Choice Requires="p14">
       <p:transition spd="slow" p14:dur="1300" advClick="0" advTm="9000">
         <p14:pan/>
       </p:transition>
     </mc:Choice>
-    <mc:Fallback>
+    <mc:Fallback xmlns="">
       <p:transition spd="slow" advClick="0" advTm="9000">
         <p:fade/>
       </p:transition>
@@ -7064,16 +6924,6 @@
               </a:rPr>
               <a:t>实验任务</a:t>
             </a:r>
-            <a:endParaRPr lang="zh-CN" altLang="en-US" sz="3200" dirty="0">
-              <a:solidFill>
-                <a:schemeClr val="tx1">
-                  <a:lumMod val="65000"/>
-                  <a:lumOff val="35000"/>
-                </a:schemeClr>
-              </a:solidFill>
-              <a:latin typeface="微软雅黑" panose="020B0503020204020204" pitchFamily="34" charset="-122"/>
-              <a:ea typeface="微软雅黑" panose="020B0503020204020204" pitchFamily="34" charset="-122"/>
-            </a:endParaRPr>
           </a:p>
         </p:txBody>
       </p:sp>
@@ -7100,7 +6950,7 @@
             <p:nvPr/>
           </p:nvPicPr>
           <p:blipFill>
-            <a:blip r:embed="rId1" cstate="print">
+            <a:blip r:embed="rId2" cstate="print">
               <a:biLevel thresh="75000"/>
               <a:extLst>
                 <a:ext uri="{28A0092B-C50C-407E-A947-70E740481C1C}">
@@ -7131,7 +6981,7 @@
             <p:nvPr/>
           </p:nvPicPr>
           <p:blipFill>
-            <a:blip r:embed="rId2" cstate="print">
+            <a:blip r:embed="rId3" cstate="print">
               <a:extLst>
                 <a:ext uri="{28A0092B-C50C-407E-A947-70E740481C1C}">
                   <a14:useLocalDpi xmlns:a14="http://schemas.microsoft.com/office/drawing/2010/main" val="0"/>
@@ -7162,7 +7012,7 @@
           <p:nvPr/>
         </p:nvPicPr>
         <p:blipFill rotWithShape="1">
-          <a:blip r:embed="rId3" cstate="print">
+          <a:blip r:embed="rId4" cstate="print">
             <a:clrChange>
               <a:clrFrom>
                 <a:srgbClr val="FFFFFF"/>
@@ -7230,7 +7080,6 @@
               <a:rPr lang="zh-CN" altLang="en-US" sz="2400" dirty="0"/>
               <a:t>实验内容</a:t>
             </a:r>
-            <a:endParaRPr lang="zh-CN" altLang="en-US" sz="2400" dirty="0"/>
           </a:p>
           <a:p>
             <a:pPr marL="0" indent="0">
@@ -7243,7 +7092,6 @@
               <a:rPr lang="zh-CN" altLang="en-US" sz="2400" dirty="0"/>
               <a:t>实现基于内容的推荐算法，实现对指定用户进行推荐，并对该算法进行评估。</a:t>
             </a:r>
-            <a:endParaRPr lang="zh-CN" altLang="en-US" sz="2400" dirty="0"/>
           </a:p>
           <a:p>
             <a:pPr marL="0" indent="0">
@@ -7260,7 +7108,6 @@
               <a:rPr lang="zh-CN" altLang="en-US" sz="2400" dirty="0"/>
               <a:t>实验要求</a:t>
             </a:r>
-            <a:endParaRPr lang="zh-CN" altLang="en-US" sz="2400" dirty="0"/>
           </a:p>
           <a:p>
             <a:pPr>
@@ -7292,7 +7139,6 @@
               <a:rPr lang="zh-CN" altLang="en-US" sz="2400" dirty="0"/>
               <a:t>利用余弦相似度的计算方法，得到电影之间的相似度矩阵。</a:t>
             </a:r>
-            <a:endParaRPr lang="zh-CN" altLang="en-US" sz="2400" dirty="0"/>
           </a:p>
           <a:p>
             <a:pPr>
@@ -7304,7 +7150,6 @@
               <a:rPr lang="zh-CN" altLang="en-US" sz="2400" dirty="0"/>
               <a:t>通过相似度矩阵完成：</a:t>
             </a:r>
-            <a:endParaRPr lang="zh-CN" altLang="en-US" sz="2400" dirty="0"/>
           </a:p>
           <a:p>
             <a:pPr marL="0" indent="0">
@@ -7341,7 +7186,6 @@
               <a:rPr lang="zh-CN" altLang="en-US" sz="2400" dirty="0"/>
               <a:t>值可根据需求更改。</a:t>
             </a:r>
-            <a:endParaRPr lang="zh-CN" altLang="en-US" sz="2400" dirty="0"/>
           </a:p>
           <a:p>
             <a:pPr marL="0" indent="0">
@@ -7362,7 +7206,6 @@
               <a:rPr lang="zh-CN" altLang="en-US" sz="2400" dirty="0"/>
               <a:t>）利用误差平方和公式评估推荐算法的准确性。</a:t>
             </a:r>
-            <a:endParaRPr lang="zh-CN" altLang="en-US" sz="2400" dirty="0"/>
           </a:p>
         </p:txBody>
       </p:sp>
@@ -7386,6 +7229,7 @@
           <a:bodyPr>
             <a:normAutofit/>
           </a:bodyPr>
+          <a:lstStyle/>
           <a:p>
             <a:r>
               <a:rPr lang="zh-CN" altLang="en-US" sz="4000" b="1" dirty="0"/>
@@ -7399,7 +7243,6 @@
               <a:rPr lang="zh-CN" altLang="en-US" sz="4000" b="1" dirty="0"/>
               <a:t>基于内容的推荐</a:t>
             </a:r>
-            <a:endParaRPr lang="zh-CN" altLang="en-US" sz="4000" b="1" dirty="0"/>
           </a:p>
         </p:txBody>
       </p:sp>
@@ -7408,13 +7251,13 @@
   <p:clrMapOvr>
     <a:masterClrMapping/>
   </p:clrMapOvr>
-  <mc:AlternateContent xmlns:mc="http://schemas.openxmlformats.org/markup-compatibility/2006">
-    <mc:Choice xmlns:p14="http://schemas.microsoft.com/office/powerpoint/2010/main" Requires="p14">
+  <mc:AlternateContent xmlns:mc="http://schemas.openxmlformats.org/markup-compatibility/2006" xmlns:p14="http://schemas.microsoft.com/office/powerpoint/2010/main">
+    <mc:Choice Requires="p14">
       <p:transition spd="slow" p14:dur="1200" advClick="0" advTm="3000">
         <p14:prism dir="u"/>
       </p:transition>
     </mc:Choice>
-    <mc:Fallback>
+    <mc:Fallback xmlns="">
       <p:transition spd="slow" advClick="0" advTm="3000">
         <p:fade/>
       </p:transition>
@@ -7574,7 +7417,7 @@
             <p:nvPr/>
           </p:nvPicPr>
           <p:blipFill>
-            <a:blip r:embed="rId1" cstate="print">
+            <a:blip r:embed="rId4" cstate="print">
               <a:biLevel thresh="75000"/>
               <a:extLst>
                 <a:ext uri="{28A0092B-C50C-407E-A947-70E740481C1C}">
@@ -7605,7 +7448,7 @@
             <p:nvPr/>
           </p:nvPicPr>
           <p:blipFill>
-            <a:blip r:embed="rId2" cstate="print">
+            <a:blip r:embed="rId5" cstate="print">
               <a:extLst>
                 <a:ext uri="{28A0092B-C50C-407E-A947-70E740481C1C}">
                   <a14:useLocalDpi xmlns:a14="http://schemas.microsoft.com/office/drawing/2010/main" val="0"/>
@@ -7636,7 +7479,7 @@
           <p:nvPr/>
         </p:nvPicPr>
         <p:blipFill rotWithShape="1">
-          <a:blip r:embed="rId3" cstate="print">
+          <a:blip r:embed="rId6" cstate="print">
             <a:clrChange>
               <a:clrFrom>
                 <a:srgbClr val="FFFFFF"/>
@@ -7688,6 +7531,7 @@
           <a:bodyPr wrap="square" rtlCol="0">
             <a:spAutoFit/>
           </a:bodyPr>
+          <a:lstStyle/>
           <a:p>
             <a:r>
               <a:rPr lang="zh-CN" altLang="en-US" sz="3200" dirty="0">
@@ -7702,16 +7546,6 @@
               </a:rPr>
               <a:t>模型参考</a:t>
             </a:r>
-            <a:endParaRPr lang="zh-CN" altLang="en-US" sz="3200" dirty="0">
-              <a:solidFill>
-                <a:schemeClr val="tx1">
-                  <a:lumMod val="65000"/>
-                  <a:lumOff val="35000"/>
-                </a:schemeClr>
-              </a:solidFill>
-              <a:latin typeface="微软雅黑" panose="020B0503020204020204" pitchFamily="34" charset="-122"/>
-              <a:ea typeface="微软雅黑" panose="020B0503020204020204" pitchFamily="34" charset="-122"/>
-            </a:endParaRPr>
           </a:p>
         </p:txBody>
       </p:sp>
@@ -7724,7 +7558,7 @@
           <p:nvPr/>
         </p:nvPicPr>
         <p:blipFill>
-          <a:blip r:embed="rId4"/>
+          <a:blip r:embed="rId7"/>
           <a:stretch>
             <a:fillRect/>
           </a:stretch>
@@ -7759,16 +7593,12 @@
           <a:bodyPr wrap="square" rtlCol="0">
             <a:spAutoFit/>
           </a:bodyPr>
+          <a:lstStyle/>
           <a:p>
             <a:r>
               <a:rPr lang="en-US" altLang="zh-CN" sz="2000" b="1"/>
-              <a:t>sub_</a:t>
-            </a:r>
-            <a:r>
-              <a:rPr lang="en-US" altLang="zh-CN" sz="2000" b="1"/>
-              <a:t>task1:</a:t>
-            </a:r>
-            <a:endParaRPr lang="en-US" altLang="zh-CN" sz="2000" b="1"/>
+              <a:t>sub_task1:</a:t>
+            </a:r>
           </a:p>
           <a:p>
             <a:r>
@@ -7791,7 +7621,6 @@
               <a:rPr lang="zh-CN" altLang="en-US" sz="2000"/>
               <a:t>的推荐。</a:t>
             </a:r>
-            <a:endParaRPr lang="zh-CN" altLang="en-US" sz="2000"/>
           </a:p>
           <a:p>
             <a:r>
@@ -7800,11 +7629,7 @@
             </a:r>
             <a:r>
               <a:rPr lang="zh-CN" altLang="en-US" sz="2000"/>
-              <a:t>预测该用户对所有电影的打分，然后输出</a:t>
-            </a:r>
-            <a:r>
-              <a:rPr lang="zh-CN" altLang="en-US" sz="2000"/>
-              <a:t>预测打分最高的前</a:t>
+              <a:t>预测该用户对所有电影的打分，然后输出预测打分最高的前</a:t>
             </a:r>
             <a:r>
               <a:rPr lang="en-US" altLang="zh-CN" sz="2000"/>
@@ -7814,7 +7639,6 @@
               <a:rPr lang="zh-CN" altLang="en-US" sz="2000"/>
               <a:t>部电影，以及相应的分数。</a:t>
             </a:r>
-            <a:endParaRPr lang="zh-CN" altLang="en-US" sz="2000"/>
           </a:p>
           <a:p>
             <a:endParaRPr lang="zh-CN" altLang="en-US" sz="2000" b="1"/>
@@ -7843,7 +7667,6 @@
               <a:rPr lang="zh-CN" altLang="en-US" sz="2000" b="1"/>
               <a:t>：</a:t>
             </a:r>
-            <a:endParaRPr lang="zh-CN" altLang="en-US" sz="2000" b="1"/>
           </a:p>
           <a:p>
             <a:r>
@@ -7852,9 +7675,6 @@
               </a:rPr>
               <a:t>利用误差平方和公式评估推荐算法的准确性。</a:t>
             </a:r>
-            <a:endParaRPr lang="zh-CN" altLang="en-US" sz="2000" dirty="0">
-              <a:sym typeface="+mn-ea"/>
-            </a:endParaRPr>
           </a:p>
           <a:p>
             <a:r>
@@ -7871,13 +7691,8 @@
             </a:r>
             <a:r>
               <a:rPr lang="zh-CN" altLang="en-US" sz="2000"/>
-              <a:t>，以</a:t>
-            </a:r>
-            <a:r>
-              <a:rPr lang="zh-CN" altLang="en-US" sz="2000"/>
-              <a:t>对算法进行评估。</a:t>
-            </a:r>
-            <a:endParaRPr lang="zh-CN" altLang="en-US" sz="2000"/>
+              <a:t>，以对算法进行评估。</a:t>
+            </a:r>
           </a:p>
           <a:p>
             <a:endParaRPr lang="zh-CN" altLang="en-US" sz="2000"/>
@@ -7898,12 +7713,12 @@
           <a:graphicData uri="http://schemas.openxmlformats.org/presentationml/2006/ole">
             <mc:AlternateContent xmlns:mc="http://schemas.openxmlformats.org/markup-compatibility/2006">
               <mc:Choice xmlns:v="urn:schemas-microsoft-com:vml" Requires="v">
-                <p:oleObj spid="_x0000_s20" name="" r:id="rId5" imgW="2061845" imgH="576580" progId="Equation.KSEE3">
+                <p:oleObj spid="_x0000_s1026" r:id="rId8" imgW="2061845" imgH="576580" progId="Equation.KSEE3">
                   <p:embed/>
                 </p:oleObj>
               </mc:Choice>
               <mc:Fallback>
-                <p:oleObj name="" r:id="rId5" imgW="2061845" imgH="576580" progId="Equation.KSEE3">
+                <p:oleObj r:id="rId8" imgW="2061845" imgH="576580" progId="Equation.KSEE3">
                   <p:embed/>
                   <p:pic>
                     <p:nvPicPr>
@@ -7912,7 +7727,7 @@
                       <p:nvPr/>
                     </p:nvPicPr>
                     <p:blipFill>
-                      <a:blip r:embed="rId6"/>
+                      <a:blip r:embed="rId9"/>
                       <a:stretch>
                         <a:fillRect/>
                       </a:stretch>
@@ -7942,7 +7757,7 @@
           <p:nvPr/>
         </p:nvPicPr>
         <p:blipFill>
-          <a:blip r:embed="rId7"/>
+          <a:blip r:embed="rId10"/>
           <a:stretch>
             <a:fillRect/>
           </a:stretch>
@@ -7962,13 +7777,13 @@
   <p:clrMapOvr>
     <a:masterClrMapping/>
   </p:clrMapOvr>
-  <mc:AlternateContent xmlns:mc="http://schemas.openxmlformats.org/markup-compatibility/2006">
-    <mc:Choice xmlns:p14="http://schemas.microsoft.com/office/powerpoint/2010/main" Requires="p14">
+  <mc:AlternateContent xmlns:mc="http://schemas.openxmlformats.org/markup-compatibility/2006" xmlns:p14="http://schemas.microsoft.com/office/powerpoint/2010/main">
+    <mc:Choice Requires="p14">
       <p:transition spd="slow" p14:dur="1300" advClick="0" advTm="9000">
         <p14:pan/>
       </p:transition>
     </mc:Choice>
-    <mc:Fallback>
+    <mc:Fallback xmlns="">
       <p:transition spd="slow" advClick="0" advTm="9000">
         <p:fade/>
       </p:transition>
@@ -8140,16 +7955,6 @@
               </a:rPr>
               <a:t>实验注意事项</a:t>
             </a:r>
-            <a:endParaRPr lang="zh-CN" altLang="en-US" sz="3200" dirty="0">
-              <a:solidFill>
-                <a:schemeClr val="tx1">
-                  <a:lumMod val="65000"/>
-                  <a:lumOff val="35000"/>
-                </a:schemeClr>
-              </a:solidFill>
-              <a:latin typeface="微软雅黑" panose="020B0503020204020204" pitchFamily="34" charset="-122"/>
-              <a:ea typeface="微软雅黑" panose="020B0503020204020204" pitchFamily="34" charset="-122"/>
-            </a:endParaRPr>
           </a:p>
         </p:txBody>
       </p:sp>
@@ -8176,7 +7981,7 @@
             <p:nvPr/>
           </p:nvPicPr>
           <p:blipFill>
-            <a:blip r:embed="rId1" cstate="print">
+            <a:blip r:embed="rId2" cstate="print">
               <a:biLevel thresh="75000"/>
               <a:extLst>
                 <a:ext uri="{28A0092B-C50C-407E-A947-70E740481C1C}">
@@ -8207,7 +8012,7 @@
             <p:nvPr/>
           </p:nvPicPr>
           <p:blipFill>
-            <a:blip r:embed="rId2" cstate="print">
+            <a:blip r:embed="rId3" cstate="print">
               <a:extLst>
                 <a:ext uri="{28A0092B-C50C-407E-A947-70E740481C1C}">
                   <a14:useLocalDpi xmlns:a14="http://schemas.microsoft.com/office/drawing/2010/main" val="0"/>
@@ -8238,7 +8043,7 @@
           <p:nvPr/>
         </p:nvPicPr>
         <p:blipFill rotWithShape="1">
-          <a:blip r:embed="rId3" cstate="print">
+          <a:blip r:embed="rId4" cstate="print">
             <a:clrChange>
               <a:clrFrom>
                 <a:srgbClr val="FFFFFF"/>
@@ -8304,41 +8109,13 @@
             </a:r>
             <a:r>
               <a:rPr lang="zh-CN" altLang="en-US" sz="2400" dirty="0"/>
-              <a:t>若有问题请及时联系助教：</a:t>
+              <a:t>若有问题请及时联系</a:t>
+            </a:r>
+            <a:r>
+              <a:rPr lang="zh-CN" altLang="en-US" sz="2400"/>
+              <a:t>助教：</a:t>
             </a:r>
             <a:endParaRPr lang="en-US" altLang="zh-CN" sz="2400" dirty="0"/>
-          </a:p>
-          <a:p>
-            <a:pPr>
-              <a:lnSpc>
-                <a:spcPct val="120000"/>
-              </a:lnSpc>
-            </a:pPr>
-            <a:r>
-              <a:rPr lang="zh-CN" altLang="en-US" sz="2400" dirty="0"/>
-              <a:t>刘伟光：</a:t>
-            </a:r>
-            <a:r>
-              <a:rPr lang="en-US" altLang="zh-CN" sz="2400" dirty="0"/>
-              <a:t>TEL: 15827135186	QQ: 1486111482</a:t>
-            </a:r>
-            <a:endParaRPr lang="en-US" altLang="zh-CN" sz="2400" dirty="0"/>
-          </a:p>
-          <a:p>
-            <a:pPr>
-              <a:lnSpc>
-                <a:spcPct val="120000"/>
-              </a:lnSpc>
-            </a:pPr>
-            <a:r>
-              <a:rPr lang="zh-CN" altLang="en-US" sz="2400" dirty="0"/>
-              <a:t>曾志敏：</a:t>
-            </a:r>
-            <a:r>
-              <a:rPr lang="en-US" altLang="zh-CN" sz="2400" dirty="0"/>
-              <a:t>TEL: 15197335951	QQ: 820460891</a:t>
-            </a:r>
-            <a:endParaRPr lang="zh-CN" altLang="en-US" sz="2400" dirty="0"/>
           </a:p>
         </p:txBody>
       </p:sp>
@@ -8347,13 +8124,13 @@
   <p:clrMapOvr>
     <a:masterClrMapping/>
   </p:clrMapOvr>
-  <mc:AlternateContent xmlns:mc="http://schemas.openxmlformats.org/markup-compatibility/2006">
-    <mc:Choice xmlns:p14="http://schemas.microsoft.com/office/powerpoint/2010/main" Requires="p14">
+  <mc:AlternateContent xmlns:mc="http://schemas.openxmlformats.org/markup-compatibility/2006" xmlns:p14="http://schemas.microsoft.com/office/powerpoint/2010/main">
+    <mc:Choice Requires="p14">
       <p:transition spd="slow" p14:dur="1200" advClick="0" advTm="3000">
         <p14:prism dir="u"/>
       </p:transition>
     </mc:Choice>
-    <mc:Fallback>
+    <mc:Fallback xmlns="">
       <p:transition spd="slow" advClick="0" advTm="3000">
         <p:fade/>
       </p:transition>
@@ -8608,7 +8385,7 @@
             <p:nvPr/>
           </p:nvPicPr>
           <p:blipFill>
-            <a:blip r:embed="rId3" cstate="print">
+            <a:blip r:embed="rId5" cstate="print">
               <a:biLevel thresh="75000"/>
               <a:extLst>
                 <a:ext uri="{28A0092B-C50C-407E-A947-70E740481C1C}">
@@ -8639,7 +8416,7 @@
             <p:nvPr/>
           </p:nvPicPr>
           <p:blipFill>
-            <a:blip r:embed="rId4" cstate="print">
+            <a:blip r:embed="rId6" cstate="print">
               <a:extLst>
                 <a:ext uri="{28A0092B-C50C-407E-A947-70E740481C1C}">
                   <a14:useLocalDpi xmlns:a14="http://schemas.microsoft.com/office/drawing/2010/main" val="0"/>
@@ -8666,13 +8443,13 @@
   <p:clrMapOvr>
     <a:masterClrMapping/>
   </p:clrMapOvr>
-  <mc:AlternateContent xmlns:mc="http://schemas.openxmlformats.org/markup-compatibility/2006">
-    <mc:Choice xmlns:p14="http://schemas.microsoft.com/office/powerpoint/2010/main" Requires="p14">
+  <mc:AlternateContent xmlns:mc="http://schemas.openxmlformats.org/markup-compatibility/2006" xmlns:p14="http://schemas.microsoft.com/office/powerpoint/2010/main">
+    <mc:Choice Requires="p14">
       <p:transition spd="slow" p14:dur="2500">
         <p:checker/>
       </p:transition>
     </mc:Choice>
-    <mc:Fallback>
+    <mc:Fallback xmlns="">
       <p:transition spd="slow">
         <p:checker/>
       </p:transition>
@@ -8682,13 +8459,13 @@
 </file>
 
 <file path=ppt/tags/tag1.xml><?xml version="1.0" encoding="utf-8"?>
-<p:tagLst xmlns:p="http://schemas.openxmlformats.org/presentationml/2006/main">
+<p:tagLst xmlns:a="http://schemas.openxmlformats.org/drawingml/2006/main" xmlns:r="http://schemas.openxmlformats.org/officeDocument/2006/relationships" xmlns:p="http://schemas.openxmlformats.org/presentationml/2006/main">
   <p:tag name="PA" val="v3.0.1"/>
 </p:tagLst>
 </file>
 
 <file path=ppt/tags/tag2.xml><?xml version="1.0" encoding="utf-8"?>
-<p:tagLst xmlns:p="http://schemas.openxmlformats.org/presentationml/2006/main">
+<p:tagLst xmlns:a="http://schemas.openxmlformats.org/drawingml/2006/main" xmlns:r="http://schemas.openxmlformats.org/officeDocument/2006/relationships" xmlns:p="http://schemas.openxmlformats.org/presentationml/2006/main">
   <p:tag name="PA" val="v3.0.1"/>
 </p:tagLst>
 </file>
@@ -8944,6 +8721,8 @@
       </a:bgFillStyleLst>
     </a:fmtScheme>
   </a:themeElements>
+  <a:objectDefaults/>
+  <a:extraClrSchemeLst/>
   <a:extLst>
     <a:ext uri="{05A4C25C-085E-4340-85A3-A5531E510DB2}">
       <thm15:themeFamily xmlns:thm15="http://schemas.microsoft.com/office/thememl/2012/main" name="Office Theme" id="{62F939B6-93AF-4DB8-9C6B-D6C7DFDC589F}" vid="{4A3C46E8-61CC-4603-A589-7422A47A8E4A}"/>
@@ -9203,6 +8982,8 @@
       </a:bgFillStyleLst>
     </a:fmtScheme>
   </a:themeElements>
+  <a:objectDefaults/>
+  <a:extraClrSchemeLst/>
   <a:extLst>
     <a:ext uri="{05A4C25C-085E-4340-85A3-A5531E510DB2}">
       <thm15:themeFamily xmlns:thm15="http://schemas.microsoft.com/office/thememl/2012/main" name="Office Theme" id="{62F939B6-93AF-4DB8-9C6B-D6C7DFDC589F}" vid="{4A3C46E8-61CC-4603-A589-7422A47A8E4A}"/>
